--- a/articles/pythagorean_tuning/fig.pptx
+++ b/articles/pythagorean_tuning/fig.pptx
@@ -106,6 +106,11 @@
       </a:defRPr>
     </a:lvl9pPr>
   </p:defaultTextStyle>
+  <p:extLst>
+    <p:ext uri="{EFAFB233-063F-42B5-8137-9DF3F51BA10A}">
+      <p15:sldGuideLst xmlns:p15="http://schemas.microsoft.com/office/powerpoint/2012/main"/>
+    </p:ext>
+  </p:extLst>
 </p:presentation>
 </file>
 
@@ -3625,7 +3630,7 @@
         </p:nvSpPr>
         <p:spPr>
           <a:xfrm>
-            <a:off x="3215968" y="548968"/>
+            <a:off x="3215968" y="989645"/>
             <a:ext cx="720008" cy="2880032"/>
           </a:xfrm>
           <a:prstGeom prst="rect">
@@ -3679,7 +3684,7 @@
         </p:nvSpPr>
         <p:spPr>
           <a:xfrm>
-            <a:off x="3935976" y="548968"/>
+            <a:off x="3935976" y="989645"/>
             <a:ext cx="720008" cy="2880032"/>
           </a:xfrm>
           <a:prstGeom prst="rect">
@@ -3733,7 +3738,7 @@
         </p:nvSpPr>
         <p:spPr>
           <a:xfrm>
-            <a:off x="4655984" y="548968"/>
+            <a:off x="4655984" y="989645"/>
             <a:ext cx="720008" cy="2880032"/>
           </a:xfrm>
           <a:prstGeom prst="rect">
@@ -3787,7 +3792,7 @@
         </p:nvSpPr>
         <p:spPr>
           <a:xfrm>
-            <a:off x="5375992" y="548968"/>
+            <a:off x="5375992" y="989645"/>
             <a:ext cx="720008" cy="2880032"/>
           </a:xfrm>
           <a:prstGeom prst="rect">
@@ -3841,7 +3846,7 @@
         </p:nvSpPr>
         <p:spPr>
           <a:xfrm>
-            <a:off x="6096000" y="548968"/>
+            <a:off x="6096000" y="989645"/>
             <a:ext cx="720008" cy="2880032"/>
           </a:xfrm>
           <a:prstGeom prst="rect">
@@ -3895,7 +3900,7 @@
         </p:nvSpPr>
         <p:spPr>
           <a:xfrm>
-            <a:off x="6816008" y="548968"/>
+            <a:off x="6816008" y="989645"/>
             <a:ext cx="720008" cy="2880032"/>
           </a:xfrm>
           <a:prstGeom prst="rect">
@@ -3949,7 +3954,7 @@
         </p:nvSpPr>
         <p:spPr>
           <a:xfrm>
-            <a:off x="7536016" y="548968"/>
+            <a:off x="7536016" y="989645"/>
             <a:ext cx="720008" cy="2880032"/>
           </a:xfrm>
           <a:prstGeom prst="rect">
@@ -4003,7 +4008,7 @@
         </p:nvSpPr>
         <p:spPr>
           <a:xfrm>
-            <a:off x="3665973" y="548968"/>
+            <a:off x="3665973" y="989645"/>
             <a:ext cx="540006" cy="1620018"/>
           </a:xfrm>
           <a:prstGeom prst="rect">
@@ -4057,7 +4062,7 @@
         </p:nvSpPr>
         <p:spPr>
           <a:xfrm>
-            <a:off x="4385981" y="548968"/>
+            <a:off x="4385981" y="989645"/>
             <a:ext cx="540006" cy="1620018"/>
           </a:xfrm>
           <a:prstGeom prst="rect">
@@ -4111,7 +4116,7 @@
         </p:nvSpPr>
         <p:spPr>
           <a:xfrm>
-            <a:off x="5825997" y="548968"/>
+            <a:off x="5825997" y="989645"/>
             <a:ext cx="540006" cy="1620018"/>
           </a:xfrm>
           <a:prstGeom prst="rect">
@@ -4165,7 +4170,7 @@
         </p:nvSpPr>
         <p:spPr>
           <a:xfrm>
-            <a:off x="6546005" y="548968"/>
+            <a:off x="6546005" y="989645"/>
             <a:ext cx="540006" cy="1620018"/>
           </a:xfrm>
           <a:prstGeom prst="rect">
@@ -4219,7 +4224,7 @@
         </p:nvSpPr>
         <p:spPr>
           <a:xfrm>
-            <a:off x="7266013" y="548968"/>
+            <a:off x="7266013" y="989645"/>
             <a:ext cx="540006" cy="1620018"/>
           </a:xfrm>
           <a:prstGeom prst="rect">
@@ -4273,7 +4278,7 @@
         </p:nvSpPr>
         <p:spPr>
           <a:xfrm>
-            <a:off x="335936" y="548968"/>
+            <a:off x="335936" y="989645"/>
             <a:ext cx="720008" cy="2880032"/>
           </a:xfrm>
           <a:prstGeom prst="rect">
@@ -4327,7 +4332,7 @@
         </p:nvSpPr>
         <p:spPr>
           <a:xfrm>
-            <a:off x="1055944" y="548968"/>
+            <a:off x="1055944" y="989645"/>
             <a:ext cx="720008" cy="2880032"/>
           </a:xfrm>
           <a:prstGeom prst="rect">
@@ -4381,7 +4386,7 @@
         </p:nvSpPr>
         <p:spPr>
           <a:xfrm>
-            <a:off x="1775952" y="548968"/>
+            <a:off x="1775952" y="989645"/>
             <a:ext cx="720008" cy="2880032"/>
           </a:xfrm>
           <a:prstGeom prst="rect">
@@ -4435,7 +4440,7 @@
         </p:nvSpPr>
         <p:spPr>
           <a:xfrm>
-            <a:off x="2495960" y="548968"/>
+            <a:off x="2495960" y="989645"/>
             <a:ext cx="720008" cy="2880032"/>
           </a:xfrm>
           <a:prstGeom prst="rect">
@@ -4489,7 +4494,7 @@
         </p:nvSpPr>
         <p:spPr>
           <a:xfrm>
-            <a:off x="785941" y="548968"/>
+            <a:off x="785941" y="989645"/>
             <a:ext cx="540006" cy="1620018"/>
           </a:xfrm>
           <a:prstGeom prst="rect">
@@ -4543,7 +4548,7 @@
         </p:nvSpPr>
         <p:spPr>
           <a:xfrm>
-            <a:off x="1505949" y="548968"/>
+            <a:off x="1505949" y="989645"/>
             <a:ext cx="540006" cy="1620018"/>
           </a:xfrm>
           <a:prstGeom prst="rect">
@@ -4597,7 +4602,7 @@
         </p:nvSpPr>
         <p:spPr>
           <a:xfrm>
-            <a:off x="2225957" y="548968"/>
+            <a:off x="2225957" y="989645"/>
             <a:ext cx="540006" cy="1620018"/>
           </a:xfrm>
           <a:prstGeom prst="rect">
@@ -4651,7 +4656,7 @@
         </p:nvSpPr>
         <p:spPr>
           <a:xfrm>
-            <a:off x="8256024" y="548968"/>
+            <a:off x="8256024" y="989645"/>
             <a:ext cx="720008" cy="2880032"/>
           </a:xfrm>
           <a:prstGeom prst="rect">
@@ -4705,7 +4710,7 @@
         </p:nvSpPr>
         <p:spPr>
           <a:xfrm>
-            <a:off x="8976032" y="548968"/>
+            <a:off x="8976032" y="989645"/>
             <a:ext cx="720008" cy="2880032"/>
           </a:xfrm>
           <a:prstGeom prst="rect">
@@ -4759,7 +4764,7 @@
         </p:nvSpPr>
         <p:spPr>
           <a:xfrm>
-            <a:off x="9696040" y="548968"/>
+            <a:off x="9696040" y="989645"/>
             <a:ext cx="720008" cy="2880032"/>
           </a:xfrm>
           <a:prstGeom prst="rect">
@@ -4813,7 +4818,7 @@
         </p:nvSpPr>
         <p:spPr>
           <a:xfrm>
-            <a:off x="8706029" y="548968"/>
+            <a:off x="8706029" y="989645"/>
             <a:ext cx="540006" cy="1620018"/>
           </a:xfrm>
           <a:prstGeom prst="rect">
@@ -4867,7 +4872,7 @@
         </p:nvSpPr>
         <p:spPr>
           <a:xfrm>
-            <a:off x="9426037" y="548968"/>
+            <a:off x="9426037" y="989645"/>
             <a:ext cx="540006" cy="1620018"/>
           </a:xfrm>
           <a:prstGeom prst="rect">
@@ -4921,7 +4926,7 @@
         </p:nvSpPr>
         <p:spPr>
           <a:xfrm>
-            <a:off x="3375287" y="2798993"/>
+            <a:off x="3375287" y="3239670"/>
             <a:ext cx="465192" cy="584775"/>
           </a:xfrm>
           <a:prstGeom prst="rect">
@@ -4957,7 +4962,7 @@
         </p:nvSpPr>
         <p:spPr>
           <a:xfrm>
-            <a:off x="4097950" y="2798993"/>
+            <a:off x="4097950" y="3239670"/>
             <a:ext cx="490840" cy="584775"/>
           </a:xfrm>
           <a:prstGeom prst="rect">
@@ -4993,7 +4998,7 @@
         </p:nvSpPr>
         <p:spPr>
           <a:xfrm>
-            <a:off x="4846261" y="2798993"/>
+            <a:off x="4846261" y="3239670"/>
             <a:ext cx="439544" cy="584775"/>
           </a:xfrm>
           <a:prstGeom prst="rect">
@@ -5029,7 +5034,7 @@
         </p:nvSpPr>
         <p:spPr>
           <a:xfrm>
-            <a:off x="5543276" y="2798993"/>
+            <a:off x="5543276" y="3239670"/>
             <a:ext cx="434734" cy="584775"/>
           </a:xfrm>
           <a:prstGeom prst="rect">
@@ -5065,7 +5070,7 @@
         </p:nvSpPr>
         <p:spPr>
           <a:xfrm>
-            <a:off x="6235481" y="2798993"/>
+            <a:off x="6235481" y="3239670"/>
             <a:ext cx="482824" cy="584775"/>
           </a:xfrm>
           <a:prstGeom prst="rect">
@@ -5101,7 +5106,7 @@
         </p:nvSpPr>
         <p:spPr>
           <a:xfrm>
-            <a:off x="6975776" y="2798993"/>
+            <a:off x="6975776" y="3239670"/>
             <a:ext cx="450764" cy="584775"/>
           </a:xfrm>
           <a:prstGeom prst="rect">
@@ -5137,7 +5142,7 @@
         </p:nvSpPr>
         <p:spPr>
           <a:xfrm>
-            <a:off x="7684011" y="2798993"/>
+            <a:off x="7684011" y="3239670"/>
             <a:ext cx="463588" cy="584775"/>
           </a:xfrm>
           <a:prstGeom prst="rect">
@@ -5173,7 +5178,7 @@
         </p:nvSpPr>
         <p:spPr>
           <a:xfrm>
-            <a:off x="8405070" y="2798993"/>
+            <a:off x="8405070" y="3239670"/>
             <a:ext cx="465192" cy="584775"/>
           </a:xfrm>
           <a:prstGeom prst="rect">
@@ -5209,7 +5214,7 @@
         </p:nvSpPr>
         <p:spPr>
           <a:xfrm>
-            <a:off x="9127733" y="2798993"/>
+            <a:off x="9127733" y="3239670"/>
             <a:ext cx="490840" cy="584775"/>
           </a:xfrm>
           <a:prstGeom prst="rect">
@@ -5245,7 +5250,7 @@
         </p:nvSpPr>
         <p:spPr>
           <a:xfrm>
-            <a:off x="9876042" y="2798993"/>
+            <a:off x="9876042" y="3239670"/>
             <a:ext cx="439544" cy="584775"/>
           </a:xfrm>
           <a:prstGeom prst="rect">
@@ -5281,7 +5286,7 @@
         </p:nvSpPr>
         <p:spPr>
           <a:xfrm>
-            <a:off x="513493" y="2798993"/>
+            <a:off x="513493" y="3239670"/>
             <a:ext cx="434734" cy="584775"/>
           </a:xfrm>
           <a:prstGeom prst="rect">
@@ -5317,7 +5322,7 @@
         </p:nvSpPr>
         <p:spPr>
           <a:xfrm>
-            <a:off x="1205698" y="2798993"/>
+            <a:off x="1205698" y="3239670"/>
             <a:ext cx="482824" cy="584775"/>
           </a:xfrm>
           <a:prstGeom prst="rect">
@@ -5353,7 +5358,7 @@
         </p:nvSpPr>
         <p:spPr>
           <a:xfrm>
-            <a:off x="1945993" y="2798993"/>
+            <a:off x="1945993" y="3239670"/>
             <a:ext cx="450764" cy="584775"/>
           </a:xfrm>
           <a:prstGeom prst="rect">
@@ -5389,7 +5394,7 @@
         </p:nvSpPr>
         <p:spPr>
           <a:xfrm>
-            <a:off x="2654228" y="2798993"/>
+            <a:off x="2654228" y="3239670"/>
             <a:ext cx="463588" cy="584775"/>
           </a:xfrm>
           <a:prstGeom prst="rect">
@@ -5425,7 +5430,7 @@
         </p:nvSpPr>
         <p:spPr>
           <a:xfrm>
-            <a:off x="3395970" y="3609002"/>
+            <a:off x="3395970" y="4049679"/>
             <a:ext cx="360004" cy="360004"/>
           </a:xfrm>
           <a:prstGeom prst="ellipse">
@@ -5474,7 +5479,7 @@
         </p:nvSpPr>
         <p:spPr>
           <a:xfrm>
-            <a:off x="6276002" y="3609002"/>
+            <a:off x="6276002" y="4049679"/>
             <a:ext cx="360004" cy="360004"/>
           </a:xfrm>
           <a:prstGeom prst="ellipse">
@@ -5527,7 +5532,7 @@
         </p:nvCxnSpPr>
         <p:spPr>
           <a:xfrm rot="16200000" flipH="1">
-            <a:off x="5015988" y="2603550"/>
+            <a:off x="5015988" y="3044227"/>
             <a:ext cx="12700" cy="2625470"/>
           </a:xfrm>
           <a:prstGeom prst="curvedConnector3">
@@ -5571,7 +5576,7 @@
         </p:nvSpPr>
         <p:spPr>
           <a:xfrm>
-            <a:off x="4565983" y="3789004"/>
+            <a:off x="4565983" y="4229681"/>
             <a:ext cx="731290" cy="369332"/>
           </a:xfrm>
           <a:prstGeom prst="rect">
@@ -5611,7 +5616,7 @@
         </p:nvSpPr>
         <p:spPr>
           <a:xfrm>
-            <a:off x="6276002" y="4319682"/>
+            <a:off x="6276002" y="4760359"/>
             <a:ext cx="360004" cy="360004"/>
           </a:xfrm>
           <a:prstGeom prst="ellipse">
@@ -5660,7 +5665,7 @@
         </p:nvSpPr>
         <p:spPr>
           <a:xfrm>
-            <a:off x="9156034" y="4319682"/>
+            <a:off x="9156034" y="4760359"/>
             <a:ext cx="360004" cy="360004"/>
           </a:xfrm>
           <a:prstGeom prst="ellipse">
@@ -5713,7 +5718,7 @@
         </p:nvCxnSpPr>
         <p:spPr>
           <a:xfrm rot="16200000" flipH="1">
-            <a:off x="7896020" y="3314230"/>
+            <a:off x="7896020" y="3754907"/>
             <a:ext cx="12700" cy="2625470"/>
           </a:xfrm>
           <a:prstGeom prst="curvedConnector3">
@@ -5757,7 +5762,7 @@
         </p:nvSpPr>
         <p:spPr>
           <a:xfrm>
-            <a:off x="7446015" y="4499684"/>
+            <a:off x="7446015" y="4940361"/>
             <a:ext cx="731290" cy="369332"/>
           </a:xfrm>
           <a:prstGeom prst="rect">
@@ -5797,7 +5802,7 @@
         </p:nvSpPr>
         <p:spPr>
           <a:xfrm>
-            <a:off x="4115978" y="4319682"/>
+            <a:off x="4115978" y="4760359"/>
             <a:ext cx="360004" cy="360004"/>
           </a:xfrm>
           <a:prstGeom prst="ellipse">
@@ -5850,7 +5855,7 @@
         </p:nvCxnSpPr>
         <p:spPr>
           <a:xfrm rot="5400000">
-            <a:off x="6816008" y="2159658"/>
+            <a:off x="6816008" y="2600335"/>
             <a:ext cx="12700" cy="5040056"/>
           </a:xfrm>
           <a:prstGeom prst="curvedConnector3">
@@ -5894,7 +5899,7 @@
         </p:nvSpPr>
         <p:spPr>
           <a:xfrm>
-            <a:off x="6276002" y="4959017"/>
+            <a:off x="6276002" y="5399694"/>
             <a:ext cx="731290" cy="369332"/>
           </a:xfrm>
           <a:prstGeom prst="rect">
@@ -5934,7 +5939,7 @@
         </p:nvSpPr>
         <p:spPr>
           <a:xfrm>
-            <a:off x="4115978" y="5679025"/>
+            <a:off x="4115978" y="6119702"/>
             <a:ext cx="360004" cy="360004"/>
           </a:xfrm>
           <a:prstGeom prst="ellipse">
@@ -5983,7 +5988,7 @@
         </p:nvSpPr>
         <p:spPr>
           <a:xfrm>
-            <a:off x="6996010" y="5679025"/>
+            <a:off x="6996010" y="6119702"/>
             <a:ext cx="360004" cy="360004"/>
           </a:xfrm>
           <a:prstGeom prst="ellipse">
@@ -6036,7 +6041,7 @@
         </p:nvCxnSpPr>
         <p:spPr>
           <a:xfrm rot="16200000" flipH="1">
-            <a:off x="5735996" y="4673573"/>
+            <a:off x="5735996" y="5114250"/>
             <a:ext cx="12700" cy="2625470"/>
           </a:xfrm>
           <a:prstGeom prst="curvedConnector3">
@@ -6080,7 +6085,7 @@
         </p:nvSpPr>
         <p:spPr>
           <a:xfrm>
-            <a:off x="5285991" y="5859027"/>
+            <a:off x="5285991" y="6299704"/>
             <a:ext cx="731290" cy="369332"/>
           </a:xfrm>
           <a:prstGeom prst="rect">
@@ -6106,6 +6111,228 @@
           </a:p>
         </p:txBody>
       </p:sp>
+      <p:sp>
+        <p:nvSpPr>
+          <p:cNvPr id="2" name="テキスト ボックス 1">
+            <a:extLst>
+              <a:ext uri="{FF2B5EF4-FFF2-40B4-BE49-F238E27FC236}">
+                <a16:creationId xmlns:a16="http://schemas.microsoft.com/office/drawing/2014/main" id="{7E4257B3-9F06-47F6-9DE7-11EBF9EFB0DD}"/>
+              </a:ext>
+            </a:extLst>
+          </p:cNvPr>
+          <p:cNvSpPr txBox="1"/>
+          <p:nvPr/>
+        </p:nvSpPr>
+        <p:spPr>
+          <a:xfrm>
+            <a:off x="3755974" y="278965"/>
+            <a:ext cx="3057247" cy="584775"/>
+          </a:xfrm>
+          <a:prstGeom prst="rect">
+            <a:avLst/>
+          </a:prstGeom>
+          <a:noFill/>
+        </p:spPr>
+        <p:txBody>
+          <a:bodyPr wrap="none" rtlCol="0">
+            <a:spAutoFit/>
+          </a:bodyPr>
+          <a:lstStyle/>
+          <a:p>
+            <a:r>
+              <a:rPr lang="ja-JP" altLang="en-US" sz="3200"/>
+              <a:t>ピタゴラス音律</a:t>
+            </a:r>
+            <a:endParaRPr kumimoji="1" lang="ja-JP" altLang="en-US" sz="3200"/>
+          </a:p>
+        </p:txBody>
+      </p:sp>
+      <p:sp>
+        <p:nvSpPr>
+          <p:cNvPr id="59" name="楕円 58">
+            <a:extLst>
+              <a:ext uri="{FF2B5EF4-FFF2-40B4-BE49-F238E27FC236}">
+                <a16:creationId xmlns:a16="http://schemas.microsoft.com/office/drawing/2014/main" id="{713EAA3F-7016-45BC-A93A-0C0BF055BBBD}"/>
+              </a:ext>
+            </a:extLst>
+          </p:cNvPr>
+          <p:cNvSpPr/>
+          <p:nvPr/>
+        </p:nvSpPr>
+        <p:spPr>
+          <a:xfrm>
+            <a:off x="515938" y="4779015"/>
+            <a:ext cx="360004" cy="360004"/>
+          </a:xfrm>
+          <a:prstGeom prst="ellipse">
+            <a:avLst/>
+          </a:prstGeom>
+          <a:solidFill>
+            <a:srgbClr val="7030A0"/>
+          </a:solidFill>
+        </p:spPr>
+        <p:style>
+          <a:lnRef idx="2">
+            <a:schemeClr val="accent1">
+              <a:shade val="50000"/>
+            </a:schemeClr>
+          </a:lnRef>
+          <a:fillRef idx="1">
+            <a:schemeClr val="accent1"/>
+          </a:fillRef>
+          <a:effectRef idx="0">
+            <a:schemeClr val="accent1"/>
+          </a:effectRef>
+          <a:fontRef idx="minor">
+            <a:schemeClr val="lt1"/>
+          </a:fontRef>
+        </p:style>
+        <p:txBody>
+          <a:bodyPr rtlCol="0" anchor="ctr"/>
+          <a:lstStyle/>
+          <a:p>
+            <a:pPr algn="ctr"/>
+            <a:endParaRPr kumimoji="1" lang="ja-JP" altLang="en-US"/>
+          </a:p>
+        </p:txBody>
+      </p:sp>
+      <p:sp>
+        <p:nvSpPr>
+          <p:cNvPr id="60" name="楕円 59">
+            <a:extLst>
+              <a:ext uri="{FF2B5EF4-FFF2-40B4-BE49-F238E27FC236}">
+                <a16:creationId xmlns:a16="http://schemas.microsoft.com/office/drawing/2014/main" id="{E0583FD8-80D9-42B1-8B5C-AB07E55A13B0}"/>
+              </a:ext>
+            </a:extLst>
+          </p:cNvPr>
+          <p:cNvSpPr/>
+          <p:nvPr/>
+        </p:nvSpPr>
+        <p:spPr>
+          <a:xfrm>
+            <a:off x="3395970" y="4788343"/>
+            <a:ext cx="360004" cy="360004"/>
+          </a:xfrm>
+          <a:prstGeom prst="ellipse">
+            <a:avLst/>
+          </a:prstGeom>
+          <a:solidFill>
+            <a:srgbClr val="FF0000"/>
+          </a:solidFill>
+        </p:spPr>
+        <p:style>
+          <a:lnRef idx="2">
+            <a:schemeClr val="accent1">
+              <a:shade val="50000"/>
+            </a:schemeClr>
+          </a:lnRef>
+          <a:fillRef idx="1">
+            <a:schemeClr val="accent1"/>
+          </a:fillRef>
+          <a:effectRef idx="0">
+            <a:schemeClr val="accent1"/>
+          </a:effectRef>
+          <a:fontRef idx="minor">
+            <a:schemeClr val="lt1"/>
+          </a:fontRef>
+        </p:style>
+        <p:txBody>
+          <a:bodyPr rtlCol="0" anchor="ctr"/>
+          <a:lstStyle/>
+          <a:p>
+            <a:pPr algn="ctr"/>
+            <a:endParaRPr kumimoji="1" lang="ja-JP" altLang="en-US"/>
+          </a:p>
+        </p:txBody>
+      </p:sp>
+      <p:sp>
+        <p:nvSpPr>
+          <p:cNvPr id="67" name="テキスト ボックス 66">
+            <a:extLst>
+              <a:ext uri="{FF2B5EF4-FFF2-40B4-BE49-F238E27FC236}">
+                <a16:creationId xmlns:a16="http://schemas.microsoft.com/office/drawing/2014/main" id="{F0094057-5559-401E-A4A8-A3B35D46C4C5}"/>
+              </a:ext>
+            </a:extLst>
+          </p:cNvPr>
+          <p:cNvSpPr txBox="1"/>
+          <p:nvPr/>
+        </p:nvSpPr>
+        <p:spPr>
+          <a:xfrm>
+            <a:off x="1685951" y="4968345"/>
+            <a:ext cx="731290" cy="369332"/>
+          </a:xfrm>
+          <a:prstGeom prst="rect">
+            <a:avLst/>
+          </a:prstGeom>
+          <a:noFill/>
+        </p:spPr>
+        <p:txBody>
+          <a:bodyPr wrap="none" rtlCol="0">
+            <a:spAutoFit/>
+          </a:bodyPr>
+          <a:lstStyle/>
+          <a:p>
+            <a:r>
+              <a:rPr kumimoji="1" lang="en-US" altLang="ja-JP"/>
+              <a:t>x 2</a:t>
+            </a:r>
+            <a:r>
+              <a:rPr lang="en-US" altLang="ja-JP"/>
+              <a:t>/3</a:t>
+            </a:r>
+            <a:endParaRPr kumimoji="1" lang="ja-JP" altLang="en-US"/>
+          </a:p>
+        </p:txBody>
+      </p:sp>
+      <p:cxnSp>
+        <p:nvCxnSpPr>
+          <p:cNvPr id="68" name="コネクタ: 曲線 67">
+            <a:extLst>
+              <a:ext uri="{FF2B5EF4-FFF2-40B4-BE49-F238E27FC236}">
+                <a16:creationId xmlns:a16="http://schemas.microsoft.com/office/drawing/2014/main" id="{BE8C3007-9B45-4914-BA08-0B03A586E537}"/>
+              </a:ext>
+            </a:extLst>
+          </p:cNvPr>
+          <p:cNvCxnSpPr>
+            <a:cxnSpLocks/>
+            <a:stCxn id="60" idx="4"/>
+            <a:endCxn id="59" idx="5"/>
+          </p:cNvCxnSpPr>
+          <p:nvPr/>
+        </p:nvCxnSpPr>
+        <p:spPr>
+          <a:xfrm rot="5400000" flipH="1">
+            <a:off x="2168572" y="3740948"/>
+            <a:ext cx="62049" cy="2752751"/>
+          </a:xfrm>
+          <a:prstGeom prst="curvedConnector3">
+            <a:avLst>
+              <a:gd name="adj1" fmla="val -368419"/>
+            </a:avLst>
+          </a:prstGeom>
+          <a:ln>
+            <a:solidFill>
+              <a:schemeClr val="tx1"/>
+            </a:solidFill>
+            <a:tailEnd type="triangle"/>
+          </a:ln>
+        </p:spPr>
+        <p:style>
+          <a:lnRef idx="1">
+            <a:schemeClr val="accent1"/>
+          </a:lnRef>
+          <a:fillRef idx="0">
+            <a:schemeClr val="accent1"/>
+          </a:fillRef>
+          <a:effectRef idx="0">
+            <a:schemeClr val="accent1"/>
+          </a:effectRef>
+          <a:fontRef idx="minor">
+            <a:schemeClr val="tx1"/>
+          </a:fontRef>
+        </p:style>
+      </p:cxnSp>
     </p:spTree>
     <p:extLst>
       <p:ext uri="{BB962C8B-B14F-4D97-AF65-F5344CB8AC3E}">
@@ -6150,7 +6377,7 @@
         </p:nvSpPr>
         <p:spPr>
           <a:xfrm>
-            <a:off x="3215968" y="548968"/>
+            <a:off x="3215968" y="1079646"/>
             <a:ext cx="720008" cy="2880032"/>
           </a:xfrm>
           <a:prstGeom prst="rect">
@@ -6204,7 +6431,7 @@
         </p:nvSpPr>
         <p:spPr>
           <a:xfrm>
-            <a:off x="3935976" y="548968"/>
+            <a:off x="3935976" y="1079646"/>
             <a:ext cx="720008" cy="2880032"/>
           </a:xfrm>
           <a:prstGeom prst="rect">
@@ -6258,7 +6485,7 @@
         </p:nvSpPr>
         <p:spPr>
           <a:xfrm>
-            <a:off x="4655984" y="548968"/>
+            <a:off x="4655984" y="1079646"/>
             <a:ext cx="720008" cy="2880032"/>
           </a:xfrm>
           <a:prstGeom prst="rect">
@@ -6312,7 +6539,7 @@
         </p:nvSpPr>
         <p:spPr>
           <a:xfrm>
-            <a:off x="5375992" y="548968"/>
+            <a:off x="5375992" y="1079646"/>
             <a:ext cx="720008" cy="2880032"/>
           </a:xfrm>
           <a:prstGeom prst="rect">
@@ -6366,7 +6593,7 @@
         </p:nvSpPr>
         <p:spPr>
           <a:xfrm>
-            <a:off x="6096000" y="548968"/>
+            <a:off x="6096000" y="1079646"/>
             <a:ext cx="720008" cy="2880032"/>
           </a:xfrm>
           <a:prstGeom prst="rect">
@@ -6420,7 +6647,7 @@
         </p:nvSpPr>
         <p:spPr>
           <a:xfrm>
-            <a:off x="6816008" y="548968"/>
+            <a:off x="6816008" y="1079646"/>
             <a:ext cx="720008" cy="2880032"/>
           </a:xfrm>
           <a:prstGeom prst="rect">
@@ -6474,7 +6701,7 @@
         </p:nvSpPr>
         <p:spPr>
           <a:xfrm>
-            <a:off x="7536016" y="548968"/>
+            <a:off x="7536016" y="1079646"/>
             <a:ext cx="720008" cy="2880032"/>
           </a:xfrm>
           <a:prstGeom prst="rect">
@@ -6528,7 +6755,7 @@
         </p:nvSpPr>
         <p:spPr>
           <a:xfrm>
-            <a:off x="3665973" y="548968"/>
+            <a:off x="3665973" y="1079646"/>
             <a:ext cx="540006" cy="1620018"/>
           </a:xfrm>
           <a:prstGeom prst="rect">
@@ -6582,7 +6809,7 @@
         </p:nvSpPr>
         <p:spPr>
           <a:xfrm>
-            <a:off x="4385981" y="548968"/>
+            <a:off x="4385981" y="1079646"/>
             <a:ext cx="540006" cy="1620018"/>
           </a:xfrm>
           <a:prstGeom prst="rect">
@@ -6636,7 +6863,7 @@
         </p:nvSpPr>
         <p:spPr>
           <a:xfrm>
-            <a:off x="5825997" y="548968"/>
+            <a:off x="5825997" y="1079646"/>
             <a:ext cx="540006" cy="1620018"/>
           </a:xfrm>
           <a:prstGeom prst="rect">
@@ -6690,7 +6917,7 @@
         </p:nvSpPr>
         <p:spPr>
           <a:xfrm>
-            <a:off x="6546005" y="548968"/>
+            <a:off x="6546005" y="1079646"/>
             <a:ext cx="540006" cy="1620018"/>
           </a:xfrm>
           <a:prstGeom prst="rect">
@@ -6744,7 +6971,7 @@
         </p:nvSpPr>
         <p:spPr>
           <a:xfrm>
-            <a:off x="7266013" y="548968"/>
+            <a:off x="7266013" y="1079646"/>
             <a:ext cx="540006" cy="1620018"/>
           </a:xfrm>
           <a:prstGeom prst="rect">
@@ -6798,7 +7025,7 @@
         </p:nvSpPr>
         <p:spPr>
           <a:xfrm>
-            <a:off x="335936" y="548968"/>
+            <a:off x="335936" y="1079646"/>
             <a:ext cx="720008" cy="2880032"/>
           </a:xfrm>
           <a:prstGeom prst="rect">
@@ -6852,7 +7079,7 @@
         </p:nvSpPr>
         <p:spPr>
           <a:xfrm>
-            <a:off x="1055944" y="548968"/>
+            <a:off x="1055944" y="1079646"/>
             <a:ext cx="720008" cy="2880032"/>
           </a:xfrm>
           <a:prstGeom prst="rect">
@@ -6906,7 +7133,7 @@
         </p:nvSpPr>
         <p:spPr>
           <a:xfrm>
-            <a:off x="1775952" y="548968"/>
+            <a:off x="1775952" y="1079646"/>
             <a:ext cx="720008" cy="2880032"/>
           </a:xfrm>
           <a:prstGeom prst="rect">
@@ -6960,7 +7187,7 @@
         </p:nvSpPr>
         <p:spPr>
           <a:xfrm>
-            <a:off x="2495960" y="548968"/>
+            <a:off x="2495960" y="1079646"/>
             <a:ext cx="720008" cy="2880032"/>
           </a:xfrm>
           <a:prstGeom prst="rect">
@@ -7014,7 +7241,7 @@
         </p:nvSpPr>
         <p:spPr>
           <a:xfrm>
-            <a:off x="785941" y="548968"/>
+            <a:off x="785941" y="1079646"/>
             <a:ext cx="540006" cy="1620018"/>
           </a:xfrm>
           <a:prstGeom prst="rect">
@@ -7068,7 +7295,7 @@
         </p:nvSpPr>
         <p:spPr>
           <a:xfrm>
-            <a:off x="1505949" y="548968"/>
+            <a:off x="1505949" y="1079646"/>
             <a:ext cx="540006" cy="1620018"/>
           </a:xfrm>
           <a:prstGeom prst="rect">
@@ -7122,7 +7349,7 @@
         </p:nvSpPr>
         <p:spPr>
           <a:xfrm>
-            <a:off x="2225957" y="548968"/>
+            <a:off x="2225957" y="1079646"/>
             <a:ext cx="540006" cy="1620018"/>
           </a:xfrm>
           <a:prstGeom prst="rect">
@@ -7176,7 +7403,7 @@
         </p:nvSpPr>
         <p:spPr>
           <a:xfrm>
-            <a:off x="8256024" y="548968"/>
+            <a:off x="8256024" y="1079646"/>
             <a:ext cx="720008" cy="2880032"/>
           </a:xfrm>
           <a:prstGeom prst="rect">
@@ -7230,7 +7457,7 @@
         </p:nvSpPr>
         <p:spPr>
           <a:xfrm>
-            <a:off x="8976032" y="548968"/>
+            <a:off x="8976032" y="1079646"/>
             <a:ext cx="720008" cy="2880032"/>
           </a:xfrm>
           <a:prstGeom prst="rect">
@@ -7284,7 +7511,7 @@
         </p:nvSpPr>
         <p:spPr>
           <a:xfrm>
-            <a:off x="9696040" y="548968"/>
+            <a:off x="9696040" y="1079646"/>
             <a:ext cx="720008" cy="2880032"/>
           </a:xfrm>
           <a:prstGeom prst="rect">
@@ -7338,7 +7565,7 @@
         </p:nvSpPr>
         <p:spPr>
           <a:xfrm>
-            <a:off x="8706029" y="548968"/>
+            <a:off x="8706029" y="1079646"/>
             <a:ext cx="540006" cy="1620018"/>
           </a:xfrm>
           <a:prstGeom prst="rect">
@@ -7392,7 +7619,7 @@
         </p:nvSpPr>
         <p:spPr>
           <a:xfrm>
-            <a:off x="9426037" y="548968"/>
+            <a:off x="9426037" y="1079646"/>
             <a:ext cx="540006" cy="1620018"/>
           </a:xfrm>
           <a:prstGeom prst="rect">
@@ -7446,7 +7673,7 @@
         </p:nvSpPr>
         <p:spPr>
           <a:xfrm>
-            <a:off x="3375287" y="2798993"/>
+            <a:off x="3375287" y="3329671"/>
             <a:ext cx="465192" cy="584775"/>
           </a:xfrm>
           <a:prstGeom prst="rect">
@@ -7482,7 +7709,7 @@
         </p:nvSpPr>
         <p:spPr>
           <a:xfrm>
-            <a:off x="4097950" y="2798993"/>
+            <a:off x="4097950" y="3329671"/>
             <a:ext cx="490840" cy="584775"/>
           </a:xfrm>
           <a:prstGeom prst="rect">
@@ -7518,7 +7745,7 @@
         </p:nvSpPr>
         <p:spPr>
           <a:xfrm>
-            <a:off x="4846261" y="2798993"/>
+            <a:off x="4846261" y="3329671"/>
             <a:ext cx="439544" cy="584775"/>
           </a:xfrm>
           <a:prstGeom prst="rect">
@@ -7554,7 +7781,7 @@
         </p:nvSpPr>
         <p:spPr>
           <a:xfrm>
-            <a:off x="5543276" y="2798993"/>
+            <a:off x="5543276" y="3329671"/>
             <a:ext cx="434734" cy="584775"/>
           </a:xfrm>
           <a:prstGeom prst="rect">
@@ -7590,7 +7817,7 @@
         </p:nvSpPr>
         <p:spPr>
           <a:xfrm>
-            <a:off x="6235481" y="2798993"/>
+            <a:off x="6235481" y="3329671"/>
             <a:ext cx="482824" cy="584775"/>
           </a:xfrm>
           <a:prstGeom prst="rect">
@@ -7626,7 +7853,7 @@
         </p:nvSpPr>
         <p:spPr>
           <a:xfrm>
-            <a:off x="6975776" y="2798993"/>
+            <a:off x="6975776" y="3329671"/>
             <a:ext cx="450764" cy="584775"/>
           </a:xfrm>
           <a:prstGeom prst="rect">
@@ -7662,7 +7889,7 @@
         </p:nvSpPr>
         <p:spPr>
           <a:xfrm>
-            <a:off x="7684011" y="2798993"/>
+            <a:off x="7684011" y="3329671"/>
             <a:ext cx="463588" cy="584775"/>
           </a:xfrm>
           <a:prstGeom prst="rect">
@@ -7698,7 +7925,7 @@
         </p:nvSpPr>
         <p:spPr>
           <a:xfrm>
-            <a:off x="8405070" y="2798993"/>
+            <a:off x="8405070" y="3329671"/>
             <a:ext cx="465192" cy="584775"/>
           </a:xfrm>
           <a:prstGeom prst="rect">
@@ -7734,7 +7961,7 @@
         </p:nvSpPr>
         <p:spPr>
           <a:xfrm>
-            <a:off x="9127733" y="2798993"/>
+            <a:off x="9127733" y="3329671"/>
             <a:ext cx="490840" cy="584775"/>
           </a:xfrm>
           <a:prstGeom prst="rect">
@@ -7770,7 +7997,7 @@
         </p:nvSpPr>
         <p:spPr>
           <a:xfrm>
-            <a:off x="9876042" y="2798993"/>
+            <a:off x="9876042" y="3329671"/>
             <a:ext cx="439544" cy="584775"/>
           </a:xfrm>
           <a:prstGeom prst="rect">
@@ -7806,7 +8033,7 @@
         </p:nvSpPr>
         <p:spPr>
           <a:xfrm>
-            <a:off x="513493" y="2798993"/>
+            <a:off x="513493" y="3329671"/>
             <a:ext cx="434734" cy="584775"/>
           </a:xfrm>
           <a:prstGeom prst="rect">
@@ -7842,7 +8069,7 @@
         </p:nvSpPr>
         <p:spPr>
           <a:xfrm>
-            <a:off x="1205698" y="2798993"/>
+            <a:off x="1205698" y="3329671"/>
             <a:ext cx="482824" cy="584775"/>
           </a:xfrm>
           <a:prstGeom prst="rect">
@@ -7878,7 +8105,7 @@
         </p:nvSpPr>
         <p:spPr>
           <a:xfrm>
-            <a:off x="1945993" y="2798993"/>
+            <a:off x="1945993" y="3329671"/>
             <a:ext cx="450764" cy="584775"/>
           </a:xfrm>
           <a:prstGeom prst="rect">
@@ -7914,7 +8141,7 @@
         </p:nvSpPr>
         <p:spPr>
           <a:xfrm>
-            <a:off x="2654228" y="2798993"/>
+            <a:off x="2654228" y="3329671"/>
             <a:ext cx="463588" cy="584775"/>
           </a:xfrm>
           <a:prstGeom prst="rect">
@@ -7950,7 +8177,7 @@
         </p:nvSpPr>
         <p:spPr>
           <a:xfrm>
-            <a:off x="3395970" y="3609002"/>
+            <a:off x="3395970" y="4139680"/>
             <a:ext cx="360004" cy="360004"/>
           </a:xfrm>
           <a:prstGeom prst="ellipse">
@@ -7999,7 +8226,7 @@
         </p:nvSpPr>
         <p:spPr>
           <a:xfrm>
-            <a:off x="6276002" y="3609002"/>
+            <a:off x="6276002" y="4139680"/>
             <a:ext cx="360004" cy="360004"/>
           </a:xfrm>
           <a:prstGeom prst="ellipse">
@@ -8048,7 +8275,7 @@
         </p:nvSpPr>
         <p:spPr>
           <a:xfrm>
-            <a:off x="4835986" y="3609002"/>
+            <a:off x="4835986" y="4139680"/>
             <a:ext cx="360004" cy="360004"/>
           </a:xfrm>
           <a:prstGeom prst="ellipse">
@@ -8104,7 +8331,7 @@
         </p:nvCxnSpPr>
         <p:spPr>
           <a:xfrm rot="16200000" flipH="1">
-            <a:off x="4295980" y="3323558"/>
+            <a:off x="4295980" y="3854236"/>
             <a:ext cx="12700" cy="1185454"/>
           </a:xfrm>
           <a:prstGeom prst="curvedConnector3">
@@ -8152,7 +8379,7 @@
         </p:nvCxnSpPr>
         <p:spPr>
           <a:xfrm rot="16200000" flipH="1">
-            <a:off x="5735996" y="3323558"/>
+            <a:off x="5735996" y="3854236"/>
             <a:ext cx="12700" cy="1185454"/>
           </a:xfrm>
           <a:prstGeom prst="curvedConnector3">
@@ -8196,7 +8423,7 @@
         </p:nvSpPr>
         <p:spPr>
           <a:xfrm>
-            <a:off x="3924694" y="3789004"/>
+            <a:off x="3924694" y="4319682"/>
             <a:ext cx="731290" cy="369332"/>
           </a:xfrm>
           <a:prstGeom prst="rect">
@@ -8236,7 +8463,7 @@
         </p:nvSpPr>
         <p:spPr>
           <a:xfrm>
-            <a:off x="5364710" y="3789004"/>
+            <a:off x="5364710" y="4319682"/>
             <a:ext cx="731290" cy="369332"/>
           </a:xfrm>
           <a:prstGeom prst="rect">
@@ -8276,7 +8503,7 @@
         </p:nvSpPr>
         <p:spPr>
           <a:xfrm>
-            <a:off x="6276002" y="4419011"/>
+            <a:off x="6276002" y="4949689"/>
             <a:ext cx="360004" cy="360004"/>
           </a:xfrm>
           <a:prstGeom prst="ellipse">
@@ -8325,7 +8552,7 @@
         </p:nvSpPr>
         <p:spPr>
           <a:xfrm>
-            <a:off x="9156034" y="4419011"/>
+            <a:off x="9156034" y="4949689"/>
             <a:ext cx="360004" cy="360004"/>
           </a:xfrm>
           <a:prstGeom prst="ellipse">
@@ -8374,7 +8601,7 @@
         </p:nvSpPr>
         <p:spPr>
           <a:xfrm>
-            <a:off x="7716018" y="4419011"/>
+            <a:off x="7716018" y="4949689"/>
             <a:ext cx="360004" cy="360004"/>
           </a:xfrm>
           <a:prstGeom prst="ellipse">
@@ -8430,7 +8657,7 @@
         </p:nvCxnSpPr>
         <p:spPr>
           <a:xfrm rot="16200000" flipH="1">
-            <a:off x="7176012" y="4133567"/>
+            <a:off x="7176012" y="4664245"/>
             <a:ext cx="12700" cy="1185454"/>
           </a:xfrm>
           <a:prstGeom prst="curvedConnector3">
@@ -8478,7 +8705,7 @@
         </p:nvCxnSpPr>
         <p:spPr>
           <a:xfrm rot="16200000" flipH="1">
-            <a:off x="8616028" y="4133567"/>
+            <a:off x="8616028" y="4664245"/>
             <a:ext cx="12700" cy="1185454"/>
           </a:xfrm>
           <a:prstGeom prst="curvedConnector3">
@@ -8522,7 +8749,7 @@
         </p:nvSpPr>
         <p:spPr>
           <a:xfrm>
-            <a:off x="6804726" y="4599013"/>
+            <a:off x="6804726" y="5129691"/>
             <a:ext cx="731290" cy="369332"/>
           </a:xfrm>
           <a:prstGeom prst="rect">
@@ -8562,7 +8789,7 @@
         </p:nvSpPr>
         <p:spPr>
           <a:xfrm>
-            <a:off x="8244742" y="4599013"/>
+            <a:off x="8244742" y="5129691"/>
             <a:ext cx="731290" cy="369332"/>
           </a:xfrm>
           <a:prstGeom prst="rect">
@@ -8602,7 +8829,7 @@
         </p:nvSpPr>
         <p:spPr>
           <a:xfrm>
-            <a:off x="515938" y="4329010"/>
+            <a:off x="515938" y="4859688"/>
             <a:ext cx="360004" cy="360004"/>
           </a:xfrm>
           <a:prstGeom prst="ellipse">
@@ -8651,7 +8878,7 @@
         </p:nvSpPr>
         <p:spPr>
           <a:xfrm>
-            <a:off x="3395970" y="4329010"/>
+            <a:off x="3395970" y="4859688"/>
             <a:ext cx="360004" cy="360004"/>
           </a:xfrm>
           <a:prstGeom prst="ellipse">
@@ -8700,7 +8927,7 @@
         </p:nvSpPr>
         <p:spPr>
           <a:xfrm>
-            <a:off x="1955954" y="4329010"/>
+            <a:off x="1955954" y="4859688"/>
             <a:ext cx="360004" cy="360004"/>
           </a:xfrm>
           <a:prstGeom prst="ellipse">
@@ -8753,7 +8980,7 @@
         </p:nvCxnSpPr>
         <p:spPr>
           <a:xfrm rot="16200000" flipH="1">
-            <a:off x="1415948" y="4043566"/>
+            <a:off x="1415948" y="4574244"/>
             <a:ext cx="12700" cy="1185454"/>
           </a:xfrm>
           <a:prstGeom prst="curvedConnector3">
@@ -8801,7 +9028,7 @@
         </p:nvCxnSpPr>
         <p:spPr>
           <a:xfrm rot="16200000" flipH="1">
-            <a:off x="2855964" y="4043566"/>
+            <a:off x="2855964" y="4574244"/>
             <a:ext cx="12700" cy="1185454"/>
           </a:xfrm>
           <a:prstGeom prst="curvedConnector3">
@@ -8845,7 +9072,7 @@
         </p:nvSpPr>
         <p:spPr>
           <a:xfrm>
-            <a:off x="1044662" y="4509012"/>
+            <a:off x="1044662" y="5039690"/>
             <a:ext cx="731290" cy="369332"/>
           </a:xfrm>
           <a:prstGeom prst="rect">
@@ -8885,7 +9112,7 @@
         </p:nvSpPr>
         <p:spPr>
           <a:xfrm>
-            <a:off x="2484678" y="4509012"/>
+            <a:off x="2484678" y="5039690"/>
             <a:ext cx="731290" cy="369332"/>
           </a:xfrm>
           <a:prstGeom prst="rect">
@@ -8908,6 +9135,41 @@
               <a:t>6/4</a:t>
             </a:r>
             <a:endParaRPr kumimoji="1" lang="ja-JP" altLang="en-US"/>
+          </a:p>
+        </p:txBody>
+      </p:sp>
+      <p:sp>
+        <p:nvSpPr>
+          <p:cNvPr id="62" name="テキスト ボックス 61">
+            <a:extLst>
+              <a:ext uri="{FF2B5EF4-FFF2-40B4-BE49-F238E27FC236}">
+                <a16:creationId xmlns:a16="http://schemas.microsoft.com/office/drawing/2014/main" id="{E286E0E6-D3F9-486D-B551-1235F15986B1}"/>
+              </a:ext>
+            </a:extLst>
+          </p:cNvPr>
+          <p:cNvSpPr txBox="1"/>
+          <p:nvPr/>
+        </p:nvSpPr>
+        <p:spPr>
+          <a:xfrm>
+            <a:off x="4745985" y="188964"/>
+            <a:ext cx="1415772" cy="584775"/>
+          </a:xfrm>
+          <a:prstGeom prst="rect">
+            <a:avLst/>
+          </a:prstGeom>
+          <a:noFill/>
+        </p:spPr>
+        <p:txBody>
+          <a:bodyPr wrap="none" rtlCol="0">
+            <a:spAutoFit/>
+          </a:bodyPr>
+          <a:lstStyle/>
+          <a:p>
+            <a:r>
+              <a:rPr kumimoji="1" lang="ja-JP" altLang="en-US" sz="3200"/>
+              <a:t>純正律</a:t>
+            </a:r>
           </a:p>
         </p:txBody>
       </p:sp>
@@ -8955,7 +9217,7 @@
         </p:nvSpPr>
         <p:spPr>
           <a:xfrm>
-            <a:off x="3215968" y="548968"/>
+            <a:off x="3215968" y="1044886"/>
             <a:ext cx="720008" cy="2880032"/>
           </a:xfrm>
           <a:prstGeom prst="rect">
@@ -9009,7 +9271,7 @@
         </p:nvSpPr>
         <p:spPr>
           <a:xfrm>
-            <a:off x="3935976" y="548968"/>
+            <a:off x="3935976" y="1044886"/>
             <a:ext cx="720008" cy="2880032"/>
           </a:xfrm>
           <a:prstGeom prst="rect">
@@ -9063,7 +9325,7 @@
         </p:nvSpPr>
         <p:spPr>
           <a:xfrm>
-            <a:off x="4655984" y="548968"/>
+            <a:off x="4655984" y="1044886"/>
             <a:ext cx="720008" cy="2880032"/>
           </a:xfrm>
           <a:prstGeom prst="rect">
@@ -9117,7 +9379,7 @@
         </p:nvSpPr>
         <p:spPr>
           <a:xfrm>
-            <a:off x="5375992" y="548968"/>
+            <a:off x="5375992" y="1044886"/>
             <a:ext cx="720008" cy="2880032"/>
           </a:xfrm>
           <a:prstGeom prst="rect">
@@ -9171,7 +9433,7 @@
         </p:nvSpPr>
         <p:spPr>
           <a:xfrm>
-            <a:off x="6096000" y="548968"/>
+            <a:off x="6096000" y="1044886"/>
             <a:ext cx="720008" cy="2880032"/>
           </a:xfrm>
           <a:prstGeom prst="rect">
@@ -9225,7 +9487,7 @@
         </p:nvSpPr>
         <p:spPr>
           <a:xfrm>
-            <a:off x="6816008" y="548968"/>
+            <a:off x="6816008" y="1044886"/>
             <a:ext cx="720008" cy="2880032"/>
           </a:xfrm>
           <a:prstGeom prst="rect">
@@ -9279,7 +9541,7 @@
         </p:nvSpPr>
         <p:spPr>
           <a:xfrm>
-            <a:off x="7536016" y="548968"/>
+            <a:off x="7536016" y="1044886"/>
             <a:ext cx="720008" cy="2880032"/>
           </a:xfrm>
           <a:prstGeom prst="rect">
@@ -9333,7 +9595,7 @@
         </p:nvSpPr>
         <p:spPr>
           <a:xfrm>
-            <a:off x="3665973" y="548968"/>
+            <a:off x="3665973" y="1044886"/>
             <a:ext cx="540006" cy="1620018"/>
           </a:xfrm>
           <a:prstGeom prst="rect">
@@ -9387,7 +9649,7 @@
         </p:nvSpPr>
         <p:spPr>
           <a:xfrm>
-            <a:off x="4385981" y="548968"/>
+            <a:off x="4385981" y="1044886"/>
             <a:ext cx="540006" cy="1620018"/>
           </a:xfrm>
           <a:prstGeom prst="rect">
@@ -9441,7 +9703,7 @@
         </p:nvSpPr>
         <p:spPr>
           <a:xfrm>
-            <a:off x="5825997" y="548968"/>
+            <a:off x="5825997" y="1044886"/>
             <a:ext cx="540006" cy="1620018"/>
           </a:xfrm>
           <a:prstGeom prst="rect">
@@ -9495,7 +9757,7 @@
         </p:nvSpPr>
         <p:spPr>
           <a:xfrm>
-            <a:off x="6546005" y="548968"/>
+            <a:off x="6546005" y="1044886"/>
             <a:ext cx="540006" cy="1620018"/>
           </a:xfrm>
           <a:prstGeom prst="rect">
@@ -9549,7 +9811,7 @@
         </p:nvSpPr>
         <p:spPr>
           <a:xfrm>
-            <a:off x="7266013" y="548968"/>
+            <a:off x="7266013" y="1044886"/>
             <a:ext cx="540006" cy="1620018"/>
           </a:xfrm>
           <a:prstGeom prst="rect">
@@ -9603,7 +9865,7 @@
         </p:nvSpPr>
         <p:spPr>
           <a:xfrm>
-            <a:off x="335936" y="548968"/>
+            <a:off x="335936" y="1044886"/>
             <a:ext cx="720008" cy="2880032"/>
           </a:xfrm>
           <a:prstGeom prst="rect">
@@ -9657,7 +9919,7 @@
         </p:nvSpPr>
         <p:spPr>
           <a:xfrm>
-            <a:off x="1055944" y="548968"/>
+            <a:off x="1055944" y="1044886"/>
             <a:ext cx="720008" cy="2880032"/>
           </a:xfrm>
           <a:prstGeom prst="rect">
@@ -9711,7 +9973,7 @@
         </p:nvSpPr>
         <p:spPr>
           <a:xfrm>
-            <a:off x="1775952" y="548968"/>
+            <a:off x="1775952" y="1044886"/>
             <a:ext cx="720008" cy="2880032"/>
           </a:xfrm>
           <a:prstGeom prst="rect">
@@ -9765,7 +10027,7 @@
         </p:nvSpPr>
         <p:spPr>
           <a:xfrm>
-            <a:off x="2495960" y="548968"/>
+            <a:off x="2495960" y="1044886"/>
             <a:ext cx="720008" cy="2880032"/>
           </a:xfrm>
           <a:prstGeom prst="rect">
@@ -9819,7 +10081,7 @@
         </p:nvSpPr>
         <p:spPr>
           <a:xfrm>
-            <a:off x="785941" y="548968"/>
+            <a:off x="785941" y="1044886"/>
             <a:ext cx="540006" cy="1620018"/>
           </a:xfrm>
           <a:prstGeom prst="rect">
@@ -9873,7 +10135,7 @@
         </p:nvSpPr>
         <p:spPr>
           <a:xfrm>
-            <a:off x="1505949" y="548968"/>
+            <a:off x="1505949" y="1044886"/>
             <a:ext cx="540006" cy="1620018"/>
           </a:xfrm>
           <a:prstGeom prst="rect">
@@ -9927,7 +10189,7 @@
         </p:nvSpPr>
         <p:spPr>
           <a:xfrm>
-            <a:off x="2225957" y="548968"/>
+            <a:off x="2225957" y="1044886"/>
             <a:ext cx="540006" cy="1620018"/>
           </a:xfrm>
           <a:prstGeom prst="rect">
@@ -9981,7 +10243,7 @@
         </p:nvSpPr>
         <p:spPr>
           <a:xfrm>
-            <a:off x="8256024" y="548968"/>
+            <a:off x="8256024" y="1044886"/>
             <a:ext cx="720008" cy="2880032"/>
           </a:xfrm>
           <a:prstGeom prst="rect">
@@ -10035,7 +10297,7 @@
         </p:nvSpPr>
         <p:spPr>
           <a:xfrm>
-            <a:off x="8976032" y="548968"/>
+            <a:off x="8976032" y="1044886"/>
             <a:ext cx="720008" cy="2880032"/>
           </a:xfrm>
           <a:prstGeom prst="rect">
@@ -10089,7 +10351,7 @@
         </p:nvSpPr>
         <p:spPr>
           <a:xfrm>
-            <a:off x="9696040" y="548968"/>
+            <a:off x="9696040" y="1044886"/>
             <a:ext cx="720008" cy="2880032"/>
           </a:xfrm>
           <a:prstGeom prst="rect">
@@ -10143,7 +10405,7 @@
         </p:nvSpPr>
         <p:spPr>
           <a:xfrm>
-            <a:off x="8706029" y="548968"/>
+            <a:off x="8706029" y="1044886"/>
             <a:ext cx="540006" cy="1620018"/>
           </a:xfrm>
           <a:prstGeom prst="rect">
@@ -10197,7 +10459,7 @@
         </p:nvSpPr>
         <p:spPr>
           <a:xfrm>
-            <a:off x="9426037" y="548968"/>
+            <a:off x="9426037" y="1044886"/>
             <a:ext cx="540006" cy="1620018"/>
           </a:xfrm>
           <a:prstGeom prst="rect">
@@ -10251,7 +10513,7 @@
         </p:nvSpPr>
         <p:spPr>
           <a:xfrm>
-            <a:off x="3375287" y="2798993"/>
+            <a:off x="3375287" y="3294911"/>
             <a:ext cx="465192" cy="584775"/>
           </a:xfrm>
           <a:prstGeom prst="rect">
@@ -10287,7 +10549,7 @@
         </p:nvSpPr>
         <p:spPr>
           <a:xfrm>
-            <a:off x="4097950" y="2798993"/>
+            <a:off x="4097950" y="3294911"/>
             <a:ext cx="490840" cy="584775"/>
           </a:xfrm>
           <a:prstGeom prst="rect">
@@ -10323,7 +10585,7 @@
         </p:nvSpPr>
         <p:spPr>
           <a:xfrm>
-            <a:off x="4846261" y="2798993"/>
+            <a:off x="4846261" y="3294911"/>
             <a:ext cx="439544" cy="584775"/>
           </a:xfrm>
           <a:prstGeom prst="rect">
@@ -10359,7 +10621,7 @@
         </p:nvSpPr>
         <p:spPr>
           <a:xfrm>
-            <a:off x="5543276" y="2798993"/>
+            <a:off x="5543276" y="3294911"/>
             <a:ext cx="434734" cy="584775"/>
           </a:xfrm>
           <a:prstGeom prst="rect">
@@ -10395,7 +10657,7 @@
         </p:nvSpPr>
         <p:spPr>
           <a:xfrm>
-            <a:off x="6235481" y="2798993"/>
+            <a:off x="6235481" y="3294911"/>
             <a:ext cx="482824" cy="584775"/>
           </a:xfrm>
           <a:prstGeom prst="rect">
@@ -10431,7 +10693,7 @@
         </p:nvSpPr>
         <p:spPr>
           <a:xfrm>
-            <a:off x="6975776" y="2798993"/>
+            <a:off x="6975776" y="3294911"/>
             <a:ext cx="450764" cy="584775"/>
           </a:xfrm>
           <a:prstGeom prst="rect">
@@ -10467,7 +10729,7 @@
         </p:nvSpPr>
         <p:spPr>
           <a:xfrm>
-            <a:off x="7684011" y="2798993"/>
+            <a:off x="7684011" y="3294911"/>
             <a:ext cx="463588" cy="584775"/>
           </a:xfrm>
           <a:prstGeom prst="rect">
@@ -10503,7 +10765,7 @@
         </p:nvSpPr>
         <p:spPr>
           <a:xfrm>
-            <a:off x="8405070" y="2798993"/>
+            <a:off x="8405070" y="3294911"/>
             <a:ext cx="465192" cy="584775"/>
           </a:xfrm>
           <a:prstGeom prst="rect">
@@ -10539,7 +10801,7 @@
         </p:nvSpPr>
         <p:spPr>
           <a:xfrm>
-            <a:off x="9127733" y="2798993"/>
+            <a:off x="9127733" y="3294911"/>
             <a:ext cx="490840" cy="584775"/>
           </a:xfrm>
           <a:prstGeom prst="rect">
@@ -10575,7 +10837,7 @@
         </p:nvSpPr>
         <p:spPr>
           <a:xfrm>
-            <a:off x="9876042" y="2798993"/>
+            <a:off x="9876042" y="3294911"/>
             <a:ext cx="439544" cy="584775"/>
           </a:xfrm>
           <a:prstGeom prst="rect">
@@ -10611,7 +10873,7 @@
         </p:nvSpPr>
         <p:spPr>
           <a:xfrm>
-            <a:off x="513493" y="2798993"/>
+            <a:off x="513493" y="3294911"/>
             <a:ext cx="434734" cy="584775"/>
           </a:xfrm>
           <a:prstGeom prst="rect">
@@ -10647,7 +10909,7 @@
         </p:nvSpPr>
         <p:spPr>
           <a:xfrm>
-            <a:off x="1205698" y="2798993"/>
+            <a:off x="1205698" y="3294911"/>
             <a:ext cx="482824" cy="584775"/>
           </a:xfrm>
           <a:prstGeom prst="rect">
@@ -10683,7 +10945,7 @@
         </p:nvSpPr>
         <p:spPr>
           <a:xfrm>
-            <a:off x="1945993" y="2798993"/>
+            <a:off x="1945993" y="3294911"/>
             <a:ext cx="450764" cy="584775"/>
           </a:xfrm>
           <a:prstGeom prst="rect">
@@ -10719,7 +10981,7 @@
         </p:nvSpPr>
         <p:spPr>
           <a:xfrm>
-            <a:off x="2654228" y="2798993"/>
+            <a:off x="2654228" y="3294911"/>
             <a:ext cx="463588" cy="584775"/>
           </a:xfrm>
           <a:prstGeom prst="rect">
@@ -10755,7 +11017,7 @@
         </p:nvSpPr>
         <p:spPr>
           <a:xfrm>
-            <a:off x="3395970" y="3609002"/>
+            <a:off x="3395970" y="4104920"/>
             <a:ext cx="360004" cy="360004"/>
           </a:xfrm>
           <a:prstGeom prst="ellipse">
@@ -10804,7 +11066,7 @@
         </p:nvSpPr>
         <p:spPr>
           <a:xfrm>
-            <a:off x="6276002" y="3609002"/>
+            <a:off x="6276002" y="4104920"/>
             <a:ext cx="360004" cy="360004"/>
           </a:xfrm>
           <a:prstGeom prst="ellipse">
@@ -10853,7 +11115,7 @@
         </p:nvSpPr>
         <p:spPr>
           <a:xfrm>
-            <a:off x="4835986" y="3609002"/>
+            <a:off x="4835986" y="4104920"/>
             <a:ext cx="360004" cy="360004"/>
           </a:xfrm>
           <a:prstGeom prst="ellipse">
@@ -10905,7 +11167,7 @@
         </p:nvSpPr>
         <p:spPr>
           <a:xfrm>
-            <a:off x="5555994" y="3609002"/>
+            <a:off x="5555994" y="4104920"/>
             <a:ext cx="360004" cy="360004"/>
           </a:xfrm>
           <a:prstGeom prst="ellipse">
@@ -10954,7 +11216,7 @@
         </p:nvSpPr>
         <p:spPr>
           <a:xfrm>
-            <a:off x="4115978" y="3609002"/>
+            <a:off x="4115978" y="4104920"/>
             <a:ext cx="360004" cy="360004"/>
           </a:xfrm>
           <a:prstGeom prst="ellipse">
@@ -11003,7 +11265,7 @@
         </p:nvSpPr>
         <p:spPr>
           <a:xfrm>
-            <a:off x="6996010" y="3609002"/>
+            <a:off x="6996010" y="4104920"/>
             <a:ext cx="360004" cy="360004"/>
           </a:xfrm>
           <a:prstGeom prst="ellipse">
@@ -11052,7 +11314,7 @@
         </p:nvSpPr>
         <p:spPr>
           <a:xfrm>
-            <a:off x="7716018" y="3609002"/>
+            <a:off x="7716018" y="4104920"/>
             <a:ext cx="360004" cy="360004"/>
           </a:xfrm>
           <a:prstGeom prst="ellipse">
@@ -11108,7 +11370,7 @@
         </p:nvCxnSpPr>
         <p:spPr>
           <a:xfrm rot="16200000" flipH="1">
-            <a:off x="3935976" y="3609002"/>
+            <a:off x="3935976" y="4104920"/>
             <a:ext cx="12700" cy="720008"/>
           </a:xfrm>
           <a:prstGeom prst="curvedConnector3">
@@ -11154,7 +11416,7 @@
             </p:nvSpPr>
             <p:spPr>
               <a:xfrm>
-                <a:off x="3575972" y="4329010"/>
+                <a:off x="3575972" y="4824928"/>
                 <a:ext cx="736805" cy="674095"/>
               </a:xfrm>
               <a:prstGeom prst="rect">
@@ -11242,7 +11504,7 @@
             </p:nvSpPr>
             <p:spPr>
               <a:xfrm>
-                <a:off x="3575972" y="4329010"/>
+                <a:off x="3575972" y="4824928"/>
                 <a:ext cx="736805" cy="674095"/>
               </a:xfrm>
               <a:prstGeom prst="rect">
@@ -11286,7 +11548,7 @@
         </p:nvCxnSpPr>
         <p:spPr>
           <a:xfrm rot="16200000" flipH="1">
-            <a:off x="5369642" y="3615352"/>
+            <a:off x="5369642" y="4111270"/>
             <a:ext cx="12700" cy="720008"/>
           </a:xfrm>
           <a:prstGeom prst="curvedConnector3">
@@ -11332,7 +11594,7 @@
             </p:nvSpPr>
             <p:spPr>
               <a:xfrm>
-                <a:off x="5015988" y="4329010"/>
+                <a:off x="5015988" y="4824928"/>
                 <a:ext cx="736805" cy="674095"/>
               </a:xfrm>
               <a:prstGeom prst="rect">
@@ -11420,7 +11682,7 @@
             </p:nvSpPr>
             <p:spPr>
               <a:xfrm>
-                <a:off x="5015988" y="4329010"/>
+                <a:off x="5015988" y="4824928"/>
                 <a:ext cx="736805" cy="674095"/>
               </a:xfrm>
               <a:prstGeom prst="rect">
@@ -11448,6 +11710,220 @@
           </p:sp>
         </mc:Fallback>
       </mc:AlternateContent>
+      <p:cxnSp>
+        <p:nvCxnSpPr>
+          <p:cNvPr id="51" name="コネクタ: 曲線 50">
+            <a:extLst>
+              <a:ext uri="{FF2B5EF4-FFF2-40B4-BE49-F238E27FC236}">
+                <a16:creationId xmlns:a16="http://schemas.microsoft.com/office/drawing/2014/main" id="{A59F87F7-F90D-4CD6-A88F-FF865DA1553D}"/>
+              </a:ext>
+            </a:extLst>
+          </p:cNvPr>
+          <p:cNvCxnSpPr>
+            <a:cxnSpLocks/>
+          </p:cNvCxnSpPr>
+          <p:nvPr/>
+        </p:nvCxnSpPr>
+        <p:spPr>
+          <a:xfrm rot="16200000" flipH="1">
+            <a:off x="6816008" y="4149008"/>
+            <a:ext cx="12700" cy="720008"/>
+          </a:xfrm>
+          <a:prstGeom prst="curvedConnector3">
+            <a:avLst>
+              <a:gd name="adj1" fmla="val 1800000"/>
+            </a:avLst>
+          </a:prstGeom>
+          <a:ln>
+            <a:solidFill>
+              <a:schemeClr val="tx1"/>
+            </a:solidFill>
+            <a:tailEnd type="triangle"/>
+          </a:ln>
+        </p:spPr>
+        <p:style>
+          <a:lnRef idx="1">
+            <a:schemeClr val="accent1"/>
+          </a:lnRef>
+          <a:fillRef idx="0">
+            <a:schemeClr val="accent1"/>
+          </a:fillRef>
+          <a:effectRef idx="0">
+            <a:schemeClr val="accent1"/>
+          </a:effectRef>
+          <a:fontRef idx="minor">
+            <a:schemeClr val="tx1"/>
+          </a:fontRef>
+        </p:style>
+      </p:cxnSp>
+      <mc:AlternateContent xmlns:mc="http://schemas.openxmlformats.org/markup-compatibility/2006">
+        <mc:Choice xmlns:a14="http://schemas.microsoft.com/office/drawing/2010/main" Requires="a14">
+          <p:sp>
+            <p:nvSpPr>
+              <p:cNvPr id="52" name="テキスト ボックス 51">
+                <a:extLst>
+                  <a:ext uri="{FF2B5EF4-FFF2-40B4-BE49-F238E27FC236}">
+                    <a16:creationId xmlns:a16="http://schemas.microsoft.com/office/drawing/2014/main" id="{F53B7D5D-BA92-41F8-9A5A-4CF881A285F6}"/>
+                  </a:ext>
+                </a:extLst>
+              </p:cNvPr>
+              <p:cNvSpPr txBox="1"/>
+              <p:nvPr/>
+            </p:nvSpPr>
+            <p:spPr>
+              <a:xfrm>
+                <a:off x="6456004" y="4824928"/>
+                <a:ext cx="736805" cy="674095"/>
+              </a:xfrm>
+              <a:prstGeom prst="rect">
+                <a:avLst/>
+              </a:prstGeom>
+              <a:noFill/>
+            </p:spPr>
+            <p:txBody>
+              <a:bodyPr wrap="none" lIns="0" tIns="0" rIns="0" bIns="0" rtlCol="0">
+                <a:spAutoFit/>
+              </a:bodyPr>
+              <a:lstStyle/>
+              <a:p>
+                <a:r>
+                  <a:rPr kumimoji="1" lang="en-US" altLang="ja-JP" sz="3200"/>
+                  <a:t>x</a:t>
+                </a:r>
+                <a14:m>
+                  <m:oMath xmlns:m="http://schemas.openxmlformats.org/officeDocument/2006/math">
+                    <m:sSup>
+                      <m:sSupPr>
+                        <m:ctrlPr>
+                          <a:rPr kumimoji="1" lang="en-US" altLang="ja-JP" sz="3200" i="1" smtClean="0">
+                            <a:latin typeface="Cambria Math" panose="02040503050406030204" pitchFamily="18" charset="0"/>
+                          </a:rPr>
+                        </m:ctrlPr>
+                      </m:sSupPr>
+                      <m:e>
+                        <m:r>
+                          <a:rPr kumimoji="1" lang="en-US" altLang="ja-JP" sz="3200" b="0" i="1" smtClean="0">
+                            <a:latin typeface="Cambria Math" panose="02040503050406030204" pitchFamily="18" charset="0"/>
+                          </a:rPr>
+                          <m:t>2</m:t>
+                        </m:r>
+                      </m:e>
+                      <m:sup>
+                        <m:f>
+                          <m:fPr>
+                            <m:ctrlPr>
+                              <a:rPr kumimoji="1" lang="en-US" altLang="ja-JP" sz="3200" b="0" i="1" smtClean="0">
+                                <a:latin typeface="Cambria Math" panose="02040503050406030204" pitchFamily="18" charset="0"/>
+                              </a:rPr>
+                            </m:ctrlPr>
+                          </m:fPr>
+                          <m:num>
+                            <m:r>
+                              <a:rPr kumimoji="1" lang="en-US" altLang="ja-JP" sz="3200" b="0" i="1" smtClean="0">
+                                <a:latin typeface="Cambria Math" panose="02040503050406030204" pitchFamily="18" charset="0"/>
+                              </a:rPr>
+                              <m:t>2</m:t>
+                            </m:r>
+                          </m:num>
+                          <m:den>
+                            <m:r>
+                              <a:rPr kumimoji="1" lang="en-US" altLang="ja-JP" sz="3200" b="0" i="1" smtClean="0">
+                                <a:latin typeface="Cambria Math" panose="02040503050406030204" pitchFamily="18" charset="0"/>
+                              </a:rPr>
+                              <m:t>12</m:t>
+                            </m:r>
+                          </m:den>
+                        </m:f>
+                      </m:sup>
+                    </m:sSup>
+                  </m:oMath>
+                </a14:m>
+                <a:endParaRPr kumimoji="1" lang="ja-JP" altLang="en-US" sz="3200"/>
+              </a:p>
+            </p:txBody>
+          </p:sp>
+        </mc:Choice>
+        <mc:Fallback>
+          <p:sp>
+            <p:nvSpPr>
+              <p:cNvPr id="52" name="テキスト ボックス 51">
+                <a:extLst>
+                  <a:ext uri="{FF2B5EF4-FFF2-40B4-BE49-F238E27FC236}">
+                    <a16:creationId xmlns:a16="http://schemas.microsoft.com/office/drawing/2014/main" id="{F53B7D5D-BA92-41F8-9A5A-4CF881A285F6}"/>
+                  </a:ext>
+                </a:extLst>
+              </p:cNvPr>
+              <p:cNvSpPr txBox="1">
+                <a:spLocks noRot="1" noChangeAspect="1" noMove="1" noResize="1" noEditPoints="1" noAdjustHandles="1" noChangeArrowheads="1" noChangeShapeType="1" noTextEdit="1"/>
+              </p:cNvSpPr>
+              <p:nvPr/>
+            </p:nvSpPr>
+            <p:spPr>
+              <a:xfrm>
+                <a:off x="6456004" y="4824928"/>
+                <a:ext cx="736805" cy="674095"/>
+              </a:xfrm>
+              <a:prstGeom prst="rect">
+                <a:avLst/>
+              </a:prstGeom>
+              <a:blipFill>
+                <a:blip r:embed="rId4"/>
+                <a:stretch>
+                  <a:fillRect l="-33058" b="-36036"/>
+                </a:stretch>
+              </a:blipFill>
+            </p:spPr>
+            <p:txBody>
+              <a:bodyPr/>
+              <a:lstStyle/>
+              <a:p>
+                <a:r>
+                  <a:rPr lang="ja-JP" altLang="en-US">
+                    <a:noFill/>
+                  </a:rPr>
+                  <a:t> </a:t>
+                </a:r>
+              </a:p>
+            </p:txBody>
+          </p:sp>
+        </mc:Fallback>
+      </mc:AlternateContent>
+      <p:sp>
+        <p:nvSpPr>
+          <p:cNvPr id="53" name="テキスト ボックス 52">
+            <a:extLst>
+              <a:ext uri="{FF2B5EF4-FFF2-40B4-BE49-F238E27FC236}">
+                <a16:creationId xmlns:a16="http://schemas.microsoft.com/office/drawing/2014/main" id="{6D9250DD-6E0C-4180-80A7-0E764DAA3AEE}"/>
+              </a:ext>
+            </a:extLst>
+          </p:cNvPr>
+          <p:cNvSpPr txBox="1"/>
+          <p:nvPr/>
+        </p:nvSpPr>
+        <p:spPr>
+          <a:xfrm>
+            <a:off x="4745985" y="188964"/>
+            <a:ext cx="1415772" cy="584775"/>
+          </a:xfrm>
+          <a:prstGeom prst="rect">
+            <a:avLst/>
+          </a:prstGeom>
+          <a:noFill/>
+        </p:spPr>
+        <p:txBody>
+          <a:bodyPr wrap="none" rtlCol="0">
+            <a:spAutoFit/>
+          </a:bodyPr>
+          <a:lstStyle/>
+          <a:p>
+            <a:r>
+              <a:rPr lang="ja-JP" altLang="en-US" sz="3200"/>
+              <a:t>平均率</a:t>
+            </a:r>
+            <a:endParaRPr kumimoji="1" lang="ja-JP" altLang="en-US" sz="3200"/>
+          </a:p>
+        </p:txBody>
+      </p:sp>
     </p:spTree>
     <p:extLst>
       <p:ext uri="{BB962C8B-B14F-4D97-AF65-F5344CB8AC3E}">
